--- a/docs/diagrams/UiComponentClassDiagram.pptx
+++ b/docs/diagrams/UiComponentClassDiagram.pptx
@@ -208,7 +208,7 @@
           <a:p>
             <a:fld id="{F5CC4B3F-88C1-4FFA-B1B6-F41C21DC6924}" type="datetimeFigureOut">
               <a:rPr lang="en-US" smtClean="0"/>
-              <a:t>1/7/2017</a:t>
+              <a:t>3/6/2018</a:t>
             </a:fld>
             <a:endParaRPr lang="en-US"/>
           </a:p>
@@ -654,7 +654,7 @@
           <a:p>
             <a:fld id="{78C97017-6FC3-485B-9764-EAC9E56C1D49}" type="datetimeFigureOut">
               <a:rPr lang="en-US" smtClean="0"/>
-              <a:t>1/7/2017</a:t>
+              <a:t>3/6/2018</a:t>
             </a:fld>
             <a:endParaRPr lang="en-US"/>
           </a:p>
@@ -822,7 +822,7 @@
           <a:p>
             <a:fld id="{78C97017-6FC3-485B-9764-EAC9E56C1D49}" type="datetimeFigureOut">
               <a:rPr lang="en-US" smtClean="0"/>
-              <a:t>1/7/2017</a:t>
+              <a:t>3/6/2018</a:t>
             </a:fld>
             <a:endParaRPr lang="en-US"/>
           </a:p>
@@ -1000,7 +1000,7 @@
           <a:p>
             <a:fld id="{78C97017-6FC3-485B-9764-EAC9E56C1D49}" type="datetimeFigureOut">
               <a:rPr lang="en-US" smtClean="0"/>
-              <a:t>1/7/2017</a:t>
+              <a:t>3/6/2018</a:t>
             </a:fld>
             <a:endParaRPr lang="en-US"/>
           </a:p>
@@ -1168,7 +1168,7 @@
           <a:p>
             <a:fld id="{78C97017-6FC3-485B-9764-EAC9E56C1D49}" type="datetimeFigureOut">
               <a:rPr lang="en-US" smtClean="0"/>
-              <a:t>1/7/2017</a:t>
+              <a:t>3/6/2018</a:t>
             </a:fld>
             <a:endParaRPr lang="en-US"/>
           </a:p>
@@ -1413,7 +1413,7 @@
           <a:p>
             <a:fld id="{78C97017-6FC3-485B-9764-EAC9E56C1D49}" type="datetimeFigureOut">
               <a:rPr lang="en-US" smtClean="0"/>
-              <a:t>1/7/2017</a:t>
+              <a:t>3/6/2018</a:t>
             </a:fld>
             <a:endParaRPr lang="en-US"/>
           </a:p>
@@ -1698,7 +1698,7 @@
           <a:p>
             <a:fld id="{78C97017-6FC3-485B-9764-EAC9E56C1D49}" type="datetimeFigureOut">
               <a:rPr lang="en-US" smtClean="0"/>
-              <a:t>1/7/2017</a:t>
+              <a:t>3/6/2018</a:t>
             </a:fld>
             <a:endParaRPr lang="en-US"/>
           </a:p>
@@ -2117,7 +2117,7 @@
           <a:p>
             <a:fld id="{78C97017-6FC3-485B-9764-EAC9E56C1D49}" type="datetimeFigureOut">
               <a:rPr lang="en-US" smtClean="0"/>
-              <a:t>1/7/2017</a:t>
+              <a:t>3/6/2018</a:t>
             </a:fld>
             <a:endParaRPr lang="en-US"/>
           </a:p>
@@ -2234,7 +2234,7 @@
           <a:p>
             <a:fld id="{78C97017-6FC3-485B-9764-EAC9E56C1D49}" type="datetimeFigureOut">
               <a:rPr lang="en-US" smtClean="0"/>
-              <a:t>1/7/2017</a:t>
+              <a:t>3/6/2018</a:t>
             </a:fld>
             <a:endParaRPr lang="en-US"/>
           </a:p>
@@ -2329,7 +2329,7 @@
           <a:p>
             <a:fld id="{78C97017-6FC3-485B-9764-EAC9E56C1D49}" type="datetimeFigureOut">
               <a:rPr lang="en-US" smtClean="0"/>
-              <a:t>1/7/2017</a:t>
+              <a:t>3/6/2018</a:t>
             </a:fld>
             <a:endParaRPr lang="en-US"/>
           </a:p>
@@ -2604,7 +2604,7 @@
           <a:p>
             <a:fld id="{78C97017-6FC3-485B-9764-EAC9E56C1D49}" type="datetimeFigureOut">
               <a:rPr lang="en-US" smtClean="0"/>
-              <a:t>1/7/2017</a:t>
+              <a:t>3/6/2018</a:t>
             </a:fld>
             <a:endParaRPr lang="en-US"/>
           </a:p>
@@ -2856,7 +2856,7 @@
           <a:p>
             <a:fld id="{78C97017-6FC3-485B-9764-EAC9E56C1D49}" type="datetimeFigureOut">
               <a:rPr lang="en-US" smtClean="0"/>
-              <a:t>1/7/2017</a:t>
+              <a:t>3/6/2018</a:t>
             </a:fld>
             <a:endParaRPr lang="en-US"/>
           </a:p>
@@ -3067,7 +3067,7 @@
           <a:p>
             <a:fld id="{78C97017-6FC3-485B-9764-EAC9E56C1D49}" type="datetimeFigureOut">
               <a:rPr lang="en-US" smtClean="0"/>
-              <a:t>1/7/2017</a:t>
+              <a:t>3/6/2018</a:t>
             </a:fld>
             <a:endParaRPr lang="en-US"/>
           </a:p>
@@ -4038,16 +4038,16 @@
           <a:p>
             <a:pPr algn="ctr"/>
             <a:r>
-              <a:rPr lang="en-US" sz="1050" b="1" dirty="0" err="1">
+              <a:rPr lang="en-US" sz="1000" b="1" dirty="0" err="1">
                 <a:solidFill>
                   <a:schemeClr val="accent3">
                     <a:lumMod val="75000"/>
                   </a:schemeClr>
                 </a:solidFill>
               </a:rPr>
-              <a:t>PersonListPanel</a:t>
-            </a:r>
-            <a:endParaRPr lang="en-SG" sz="1050" b="1" dirty="0">
+              <a:t>CinemaListPanel</a:t>
+            </a:r>
+            <a:endParaRPr lang="en-SG" sz="1000" b="1" dirty="0">
               <a:solidFill>
                 <a:schemeClr val="accent3">
                   <a:lumMod val="75000"/>
@@ -4098,14 +4098,14 @@
           <a:p>
             <a:pPr algn="ctr"/>
             <a:r>
-              <a:rPr lang="en-US" sz="1050" b="1" dirty="0" err="1">
+              <a:rPr lang="en-US" sz="1050" b="1">
                 <a:solidFill>
                   <a:schemeClr val="accent3">
                     <a:lumMod val="75000"/>
                   </a:schemeClr>
                 </a:solidFill>
               </a:rPr>
-              <a:t>PersonCard</a:t>
+              <a:t>CinemaCard</a:t>
             </a:r>
             <a:endParaRPr lang="en-SG" sz="1050" b="1" dirty="0">
               <a:solidFill>

--- a/docs/diagrams/UiComponentClassDiagram.pptx
+++ b/docs/diagrams/UiComponentClassDiagram.pptx
@@ -175,7 +175,7 @@
             </a:lvl1pPr>
           </a:lstStyle>
           <a:p>
-            <a:endParaRPr lang="en-US"/>
+            <a:endParaRPr lang="en-US" dirty="0"/>
           </a:p>
         </p:txBody>
       </p:sp>
@@ -208,9 +208,9 @@
           <a:p>
             <a:fld id="{F5CC4B3F-88C1-4FFA-B1B6-F41C21DC6924}" type="datetimeFigureOut">
               <a:rPr lang="en-US" smtClean="0"/>
-              <a:t>3/6/2018</a:t>
+              <a:t>3/8/2018</a:t>
             </a:fld>
-            <a:endParaRPr lang="en-US"/>
+            <a:endParaRPr lang="en-US" dirty="0"/>
           </a:p>
         </p:txBody>
       </p:sp>
@@ -243,7 +243,7 @@
           <a:bodyPr vert="horz" lIns="91440" tIns="45720" rIns="91440" bIns="45720" rtlCol="0" anchor="ctr"/>
           <a:lstStyle/>
           <a:p>
-            <a:endParaRPr lang="en-US"/>
+            <a:endParaRPr lang="en-US" dirty="0"/>
           </a:p>
         </p:txBody>
       </p:sp>
@@ -333,7 +333,7 @@
             </a:lvl1pPr>
           </a:lstStyle>
           <a:p>
-            <a:endParaRPr lang="en-US"/>
+            <a:endParaRPr lang="en-US" dirty="0"/>
           </a:p>
         </p:txBody>
       </p:sp>
@@ -368,7 +368,7 @@
               <a:rPr lang="en-US" smtClean="0"/>
               <a:t>‹#›</a:t>
             </a:fld>
-            <a:endParaRPr lang="en-US"/>
+            <a:endParaRPr lang="en-US" dirty="0"/>
           </a:p>
         </p:txBody>
       </p:sp>
@@ -654,9 +654,9 @@
           <a:p>
             <a:fld id="{78C97017-6FC3-485B-9764-EAC9E56C1D49}" type="datetimeFigureOut">
               <a:rPr lang="en-US" smtClean="0"/>
-              <a:t>3/6/2018</a:t>
+              <a:t>3/8/2018</a:t>
             </a:fld>
-            <a:endParaRPr lang="en-US"/>
+            <a:endParaRPr lang="en-US" dirty="0"/>
           </a:p>
         </p:txBody>
       </p:sp>
@@ -675,7 +675,7 @@
           <a:bodyPr/>
           <a:lstStyle/>
           <a:p>
-            <a:endParaRPr lang="en-US"/>
+            <a:endParaRPr lang="en-US" dirty="0"/>
           </a:p>
         </p:txBody>
       </p:sp>
@@ -698,7 +698,7 @@
               <a:rPr lang="en-US" smtClean="0"/>
               <a:t>‹#›</a:t>
             </a:fld>
-            <a:endParaRPr lang="en-US"/>
+            <a:endParaRPr lang="en-US" dirty="0"/>
           </a:p>
         </p:txBody>
       </p:sp>
@@ -822,9 +822,9 @@
           <a:p>
             <a:fld id="{78C97017-6FC3-485B-9764-EAC9E56C1D49}" type="datetimeFigureOut">
               <a:rPr lang="en-US" smtClean="0"/>
-              <a:t>3/6/2018</a:t>
+              <a:t>3/8/2018</a:t>
             </a:fld>
-            <a:endParaRPr lang="en-US"/>
+            <a:endParaRPr lang="en-US" dirty="0"/>
           </a:p>
         </p:txBody>
       </p:sp>
@@ -843,7 +843,7 @@
           <a:bodyPr/>
           <a:lstStyle/>
           <a:p>
-            <a:endParaRPr lang="en-US"/>
+            <a:endParaRPr lang="en-US" dirty="0"/>
           </a:p>
         </p:txBody>
       </p:sp>
@@ -866,7 +866,7 @@
               <a:rPr lang="en-US" smtClean="0"/>
               <a:t>‹#›</a:t>
             </a:fld>
-            <a:endParaRPr lang="en-US"/>
+            <a:endParaRPr lang="en-US" dirty="0"/>
           </a:p>
         </p:txBody>
       </p:sp>
@@ -1000,9 +1000,9 @@
           <a:p>
             <a:fld id="{78C97017-6FC3-485B-9764-EAC9E56C1D49}" type="datetimeFigureOut">
               <a:rPr lang="en-US" smtClean="0"/>
-              <a:t>3/6/2018</a:t>
+              <a:t>3/8/2018</a:t>
             </a:fld>
-            <a:endParaRPr lang="en-US"/>
+            <a:endParaRPr lang="en-US" dirty="0"/>
           </a:p>
         </p:txBody>
       </p:sp>
@@ -1021,7 +1021,7 @@
           <a:bodyPr/>
           <a:lstStyle/>
           <a:p>
-            <a:endParaRPr lang="en-US"/>
+            <a:endParaRPr lang="en-US" dirty="0"/>
           </a:p>
         </p:txBody>
       </p:sp>
@@ -1044,7 +1044,7 @@
               <a:rPr lang="en-US" smtClean="0"/>
               <a:t>‹#›</a:t>
             </a:fld>
-            <a:endParaRPr lang="en-US"/>
+            <a:endParaRPr lang="en-US" dirty="0"/>
           </a:p>
         </p:txBody>
       </p:sp>
@@ -1168,9 +1168,9 @@
           <a:p>
             <a:fld id="{78C97017-6FC3-485B-9764-EAC9E56C1D49}" type="datetimeFigureOut">
               <a:rPr lang="en-US" smtClean="0"/>
-              <a:t>3/6/2018</a:t>
+              <a:t>3/8/2018</a:t>
             </a:fld>
-            <a:endParaRPr lang="en-US"/>
+            <a:endParaRPr lang="en-US" dirty="0"/>
           </a:p>
         </p:txBody>
       </p:sp>
@@ -1189,7 +1189,7 @@
           <a:bodyPr/>
           <a:lstStyle/>
           <a:p>
-            <a:endParaRPr lang="en-US"/>
+            <a:endParaRPr lang="en-US" dirty="0"/>
           </a:p>
         </p:txBody>
       </p:sp>
@@ -1212,7 +1212,7 @@
               <a:rPr lang="en-US" smtClean="0"/>
               <a:t>‹#›</a:t>
             </a:fld>
-            <a:endParaRPr lang="en-US"/>
+            <a:endParaRPr lang="en-US" dirty="0"/>
           </a:p>
         </p:txBody>
       </p:sp>
@@ -1413,9 +1413,9 @@
           <a:p>
             <a:fld id="{78C97017-6FC3-485B-9764-EAC9E56C1D49}" type="datetimeFigureOut">
               <a:rPr lang="en-US" smtClean="0"/>
-              <a:t>3/6/2018</a:t>
+              <a:t>3/8/2018</a:t>
             </a:fld>
-            <a:endParaRPr lang="en-US"/>
+            <a:endParaRPr lang="en-US" dirty="0"/>
           </a:p>
         </p:txBody>
       </p:sp>
@@ -1434,7 +1434,7 @@
           <a:bodyPr/>
           <a:lstStyle/>
           <a:p>
-            <a:endParaRPr lang="en-US"/>
+            <a:endParaRPr lang="en-US" dirty="0"/>
           </a:p>
         </p:txBody>
       </p:sp>
@@ -1457,7 +1457,7 @@
               <a:rPr lang="en-US" smtClean="0"/>
               <a:t>‹#›</a:t>
             </a:fld>
-            <a:endParaRPr lang="en-US"/>
+            <a:endParaRPr lang="en-US" dirty="0"/>
           </a:p>
         </p:txBody>
       </p:sp>
@@ -1698,9 +1698,9 @@
           <a:p>
             <a:fld id="{78C97017-6FC3-485B-9764-EAC9E56C1D49}" type="datetimeFigureOut">
               <a:rPr lang="en-US" smtClean="0"/>
-              <a:t>3/6/2018</a:t>
+              <a:t>3/8/2018</a:t>
             </a:fld>
-            <a:endParaRPr lang="en-US"/>
+            <a:endParaRPr lang="en-US" dirty="0"/>
           </a:p>
         </p:txBody>
       </p:sp>
@@ -1719,7 +1719,7 @@
           <a:bodyPr/>
           <a:lstStyle/>
           <a:p>
-            <a:endParaRPr lang="en-US"/>
+            <a:endParaRPr lang="en-US" dirty="0"/>
           </a:p>
         </p:txBody>
       </p:sp>
@@ -1742,7 +1742,7 @@
               <a:rPr lang="en-US" smtClean="0"/>
               <a:t>‹#›</a:t>
             </a:fld>
-            <a:endParaRPr lang="en-US"/>
+            <a:endParaRPr lang="en-US" dirty="0"/>
           </a:p>
         </p:txBody>
       </p:sp>
@@ -2117,9 +2117,9 @@
           <a:p>
             <a:fld id="{78C97017-6FC3-485B-9764-EAC9E56C1D49}" type="datetimeFigureOut">
               <a:rPr lang="en-US" smtClean="0"/>
-              <a:t>3/6/2018</a:t>
+              <a:t>3/8/2018</a:t>
             </a:fld>
-            <a:endParaRPr lang="en-US"/>
+            <a:endParaRPr lang="en-US" dirty="0"/>
           </a:p>
         </p:txBody>
       </p:sp>
@@ -2138,7 +2138,7 @@
           <a:bodyPr/>
           <a:lstStyle/>
           <a:p>
-            <a:endParaRPr lang="en-US"/>
+            <a:endParaRPr lang="en-US" dirty="0"/>
           </a:p>
         </p:txBody>
       </p:sp>
@@ -2161,7 +2161,7 @@
               <a:rPr lang="en-US" smtClean="0"/>
               <a:t>‹#›</a:t>
             </a:fld>
-            <a:endParaRPr lang="en-US"/>
+            <a:endParaRPr lang="en-US" dirty="0"/>
           </a:p>
         </p:txBody>
       </p:sp>
@@ -2234,9 +2234,9 @@
           <a:p>
             <a:fld id="{78C97017-6FC3-485B-9764-EAC9E56C1D49}" type="datetimeFigureOut">
               <a:rPr lang="en-US" smtClean="0"/>
-              <a:t>3/6/2018</a:t>
+              <a:t>3/8/2018</a:t>
             </a:fld>
-            <a:endParaRPr lang="en-US"/>
+            <a:endParaRPr lang="en-US" dirty="0"/>
           </a:p>
         </p:txBody>
       </p:sp>
@@ -2255,7 +2255,7 @@
           <a:bodyPr/>
           <a:lstStyle/>
           <a:p>
-            <a:endParaRPr lang="en-US"/>
+            <a:endParaRPr lang="en-US" dirty="0"/>
           </a:p>
         </p:txBody>
       </p:sp>
@@ -2278,7 +2278,7 @@
               <a:rPr lang="en-US" smtClean="0"/>
               <a:t>‹#›</a:t>
             </a:fld>
-            <a:endParaRPr lang="en-US"/>
+            <a:endParaRPr lang="en-US" dirty="0"/>
           </a:p>
         </p:txBody>
       </p:sp>
@@ -2329,9 +2329,9 @@
           <a:p>
             <a:fld id="{78C97017-6FC3-485B-9764-EAC9E56C1D49}" type="datetimeFigureOut">
               <a:rPr lang="en-US" smtClean="0"/>
-              <a:t>3/6/2018</a:t>
+              <a:t>3/8/2018</a:t>
             </a:fld>
-            <a:endParaRPr lang="en-US"/>
+            <a:endParaRPr lang="en-US" dirty="0"/>
           </a:p>
         </p:txBody>
       </p:sp>
@@ -2350,7 +2350,7 @@
           <a:bodyPr/>
           <a:lstStyle/>
           <a:p>
-            <a:endParaRPr lang="en-US"/>
+            <a:endParaRPr lang="en-US" dirty="0"/>
           </a:p>
         </p:txBody>
       </p:sp>
@@ -2373,7 +2373,7 @@
               <a:rPr lang="en-US" smtClean="0"/>
               <a:t>‹#›</a:t>
             </a:fld>
-            <a:endParaRPr lang="en-US"/>
+            <a:endParaRPr lang="en-US" dirty="0"/>
           </a:p>
         </p:txBody>
       </p:sp>
@@ -2604,9 +2604,9 @@
           <a:p>
             <a:fld id="{78C97017-6FC3-485B-9764-EAC9E56C1D49}" type="datetimeFigureOut">
               <a:rPr lang="en-US" smtClean="0"/>
-              <a:t>3/6/2018</a:t>
+              <a:t>3/8/2018</a:t>
             </a:fld>
-            <a:endParaRPr lang="en-US"/>
+            <a:endParaRPr lang="en-US" dirty="0"/>
           </a:p>
         </p:txBody>
       </p:sp>
@@ -2625,7 +2625,7 @@
           <a:bodyPr/>
           <a:lstStyle/>
           <a:p>
-            <a:endParaRPr lang="en-US"/>
+            <a:endParaRPr lang="en-US" dirty="0"/>
           </a:p>
         </p:txBody>
       </p:sp>
@@ -2648,7 +2648,7 @@
               <a:rPr lang="en-US" smtClean="0"/>
               <a:t>‹#›</a:t>
             </a:fld>
-            <a:endParaRPr lang="en-US"/>
+            <a:endParaRPr lang="en-US" dirty="0"/>
           </a:p>
         </p:txBody>
       </p:sp>
@@ -2770,7 +2770,7 @@
             </a:lvl9pPr>
           </a:lstStyle>
           <a:p>
-            <a:endParaRPr lang="en-US"/>
+            <a:endParaRPr lang="en-US" dirty="0"/>
           </a:p>
         </p:txBody>
       </p:sp>
@@ -2856,9 +2856,9 @@
           <a:p>
             <a:fld id="{78C97017-6FC3-485B-9764-EAC9E56C1D49}" type="datetimeFigureOut">
               <a:rPr lang="en-US" smtClean="0"/>
-              <a:t>3/6/2018</a:t>
+              <a:t>3/8/2018</a:t>
             </a:fld>
-            <a:endParaRPr lang="en-US"/>
+            <a:endParaRPr lang="en-US" dirty="0"/>
           </a:p>
         </p:txBody>
       </p:sp>
@@ -2877,7 +2877,7 @@
           <a:bodyPr/>
           <a:lstStyle/>
           <a:p>
-            <a:endParaRPr lang="en-US"/>
+            <a:endParaRPr lang="en-US" dirty="0"/>
           </a:p>
         </p:txBody>
       </p:sp>
@@ -2900,7 +2900,7 @@
               <a:rPr lang="en-US" smtClean="0"/>
               <a:t>‹#›</a:t>
             </a:fld>
-            <a:endParaRPr lang="en-US"/>
+            <a:endParaRPr lang="en-US" dirty="0"/>
           </a:p>
         </p:txBody>
       </p:sp>
@@ -3067,9 +3067,9 @@
           <a:p>
             <a:fld id="{78C97017-6FC3-485B-9764-EAC9E56C1D49}" type="datetimeFigureOut">
               <a:rPr lang="en-US" smtClean="0"/>
-              <a:t>3/6/2018</a:t>
+              <a:t>3/8/2018</a:t>
             </a:fld>
-            <a:endParaRPr lang="en-US"/>
+            <a:endParaRPr lang="en-US" dirty="0"/>
           </a:p>
         </p:txBody>
       </p:sp>
@@ -3106,7 +3106,7 @@
             </a:lvl1pPr>
           </a:lstStyle>
           <a:p>
-            <a:endParaRPr lang="en-US"/>
+            <a:endParaRPr lang="en-US" dirty="0"/>
           </a:p>
         </p:txBody>
       </p:sp>
@@ -3147,7 +3147,7 @@
               <a:rPr lang="en-US" smtClean="0"/>
               <a:t>‹#›</a:t>
             </a:fld>
-            <a:endParaRPr lang="en-US"/>
+            <a:endParaRPr lang="en-US" dirty="0"/>
           </a:p>
         </p:txBody>
       </p:sp>
@@ -3545,7 +3545,7 @@
           <a:p>
             <a:pPr algn="ctr"/>
             <a:r>
-              <a:rPr lang="en-US" sz="1050" b="1" dirty="0" err="1">
+              <a:rPr lang="en-US" sz="1050" b="1" dirty="0">
                 <a:solidFill>
                   <a:schemeClr val="accent3">
                     <a:lumMod val="75000"/>
@@ -3605,7 +3605,7 @@
           <a:p>
             <a:pPr algn="ctr"/>
             <a:r>
-              <a:rPr lang="en-US" sz="1050" b="1" dirty="0" err="1">
+              <a:rPr lang="en-US" sz="1050" b="1" dirty="0">
                 <a:solidFill>
                   <a:schemeClr val="accent3">
                     <a:lumMod val="75000"/>
@@ -3668,7 +3668,7 @@
           <a:p>
             <a:pPr algn="ctr"/>
             <a:r>
-              <a:rPr lang="en-US" sz="1050" dirty="0" err="1">
+              <a:rPr lang="en-US" sz="1050" dirty="0">
                 <a:solidFill>
                   <a:schemeClr val="bg1"/>
                 </a:solidFill>
@@ -3766,7 +3766,7 @@
           <a:lstStyle/>
           <a:p>
             <a:pPr algn="ctr"/>
-            <a:endParaRPr lang="en-SG" sz="1050" b="1">
+            <a:endParaRPr lang="en-SG" sz="1050" b="1" dirty="0">
               <a:solidFill>
                 <a:srgbClr val="92D050"/>
               </a:solidFill>
@@ -3918,7 +3918,7 @@
           <a:p>
             <a:pPr algn="ctr"/>
             <a:r>
-              <a:rPr lang="en-US" sz="1050" b="1" dirty="0" err="1">
+              <a:rPr lang="en-US" sz="1050" b="1" dirty="0">
                 <a:solidFill>
                   <a:schemeClr val="accent3">
                     <a:lumMod val="75000"/>
@@ -3978,7 +3978,7 @@
           <a:p>
             <a:pPr algn="ctr"/>
             <a:r>
-              <a:rPr lang="en-US" sz="1050" b="1" dirty="0" err="1">
+              <a:rPr lang="en-US" sz="1050" b="1" dirty="0">
                 <a:solidFill>
                   <a:schemeClr val="accent3">
                     <a:lumMod val="75000"/>
@@ -4038,7 +4038,7 @@
           <a:p>
             <a:pPr algn="ctr"/>
             <a:r>
-              <a:rPr lang="en-US" sz="1000" b="1" dirty="0" err="1">
+              <a:rPr lang="en-US" sz="1000" b="1" dirty="0">
                 <a:solidFill>
                   <a:schemeClr val="accent3">
                     <a:lumMod val="75000"/>
@@ -4098,7 +4098,7 @@
           <a:p>
             <a:pPr algn="ctr"/>
             <a:r>
-              <a:rPr lang="en-US" sz="1050" b="1">
+              <a:rPr lang="en-US" sz="1050" b="1" dirty="0">
                 <a:solidFill>
                   <a:schemeClr val="accent3">
                     <a:lumMod val="75000"/>
@@ -4158,7 +4158,7 @@
           <a:p>
             <a:pPr algn="ctr"/>
             <a:r>
-              <a:rPr lang="en-US" sz="1050" b="1" dirty="0" err="1">
+              <a:rPr lang="en-US" sz="1050" b="1" dirty="0">
                 <a:solidFill>
                   <a:schemeClr val="accent3">
                     <a:lumMod val="75000"/>
@@ -4221,7 +4221,7 @@
           <a:lstStyle/>
           <a:p>
             <a:pPr algn="ctr"/>
-            <a:endParaRPr lang="en-SG"/>
+            <a:endParaRPr lang="en-SG" dirty="0"/>
           </a:p>
         </p:txBody>
       </p:sp>
@@ -4307,7 +4307,7 @@
           <a:p>
             <a:pPr algn="ctr"/>
             <a:r>
-              <a:rPr lang="en-US" sz="1050" b="1" dirty="0" err="1">
+              <a:rPr lang="en-US" sz="1050" b="1" dirty="0">
                 <a:solidFill>
                   <a:schemeClr val="accent3">
                     <a:lumMod val="75000"/>
@@ -4549,7 +4549,7 @@
               </a:rPr>
             </a:br>
             <a:r>
-              <a:rPr lang="en-US" sz="1050" b="1" dirty="0" err="1">
+              <a:rPr lang="en-US" sz="1050" b="1" dirty="0">
                 <a:solidFill>
                   <a:schemeClr val="accent3">
                     <a:lumMod val="75000"/>
@@ -4970,7 +4970,7 @@
           <a:p>
             <a:pPr algn="ctr"/>
             <a:r>
-              <a:rPr lang="en-US" sz="1050" dirty="0" err="1">
+              <a:rPr lang="en-US" sz="1050" dirty="0">
                 <a:solidFill>
                   <a:schemeClr val="bg1"/>
                 </a:solidFill>
@@ -5025,7 +5025,7 @@
           <a:lstStyle/>
           <a:p>
             <a:pPr algn="ctr"/>
-            <a:endParaRPr lang="en-SG" sz="1050" b="1">
+            <a:endParaRPr lang="en-SG" sz="1050" b="1" dirty="0">
               <a:solidFill>
                 <a:srgbClr val="92D050"/>
               </a:solidFill>
@@ -5288,7 +5288,7 @@
           <a:lstStyle/>
           <a:p>
             <a:pPr algn="ctr"/>
-            <a:endParaRPr lang="en-SG"/>
+            <a:endParaRPr lang="en-SG" dirty="0"/>
           </a:p>
         </p:txBody>
       </p:sp>
@@ -5370,7 +5370,7 @@
           <a:lstStyle/>
           <a:p>
             <a:pPr algn="ctr"/>
-            <a:endParaRPr lang="en-SG"/>
+            <a:endParaRPr lang="en-SG" dirty="0"/>
           </a:p>
         </p:txBody>
       </p:sp>
@@ -5423,7 +5423,7 @@
           <a:lstStyle/>
           <a:p>
             <a:pPr algn="ctr"/>
-            <a:endParaRPr lang="en-SG"/>
+            <a:endParaRPr lang="en-SG" dirty="0"/>
           </a:p>
         </p:txBody>
       </p:sp>
@@ -5505,7 +5505,7 @@
           <a:lstStyle/>
           <a:p>
             <a:pPr algn="ctr"/>
-            <a:endParaRPr lang="en-SG"/>
+            <a:endParaRPr lang="en-SG" dirty="0"/>
           </a:p>
         </p:txBody>
       </p:sp>

--- a/docs/diagrams/UiComponentClassDiagram.pptx
+++ b/docs/diagrams/UiComponentClassDiagram.pptx
@@ -208,7 +208,7 @@
           <a:p>
             <a:fld id="{F5CC4B3F-88C1-4FFA-B1B6-F41C21DC6924}" type="datetimeFigureOut">
               <a:rPr lang="en-US" smtClean="0"/>
-              <a:t>3/8/2018</a:t>
+              <a:t>3/19/2018</a:t>
             </a:fld>
             <a:endParaRPr lang="en-US" dirty="0"/>
           </a:p>
@@ -654,7 +654,7 @@
           <a:p>
             <a:fld id="{78C97017-6FC3-485B-9764-EAC9E56C1D49}" type="datetimeFigureOut">
               <a:rPr lang="en-US" smtClean="0"/>
-              <a:t>3/8/2018</a:t>
+              <a:t>3/19/2018</a:t>
             </a:fld>
             <a:endParaRPr lang="en-US" dirty="0"/>
           </a:p>
@@ -822,7 +822,7 @@
           <a:p>
             <a:fld id="{78C97017-6FC3-485B-9764-EAC9E56C1D49}" type="datetimeFigureOut">
               <a:rPr lang="en-US" smtClean="0"/>
-              <a:t>3/8/2018</a:t>
+              <a:t>3/19/2018</a:t>
             </a:fld>
             <a:endParaRPr lang="en-US" dirty="0"/>
           </a:p>
@@ -1000,7 +1000,7 @@
           <a:p>
             <a:fld id="{78C97017-6FC3-485B-9764-EAC9E56C1D49}" type="datetimeFigureOut">
               <a:rPr lang="en-US" smtClean="0"/>
-              <a:t>3/8/2018</a:t>
+              <a:t>3/19/2018</a:t>
             </a:fld>
             <a:endParaRPr lang="en-US" dirty="0"/>
           </a:p>
@@ -1168,7 +1168,7 @@
           <a:p>
             <a:fld id="{78C97017-6FC3-485B-9764-EAC9E56C1D49}" type="datetimeFigureOut">
               <a:rPr lang="en-US" smtClean="0"/>
-              <a:t>3/8/2018</a:t>
+              <a:t>3/19/2018</a:t>
             </a:fld>
             <a:endParaRPr lang="en-US" dirty="0"/>
           </a:p>
@@ -1413,7 +1413,7 @@
           <a:p>
             <a:fld id="{78C97017-6FC3-485B-9764-EAC9E56C1D49}" type="datetimeFigureOut">
               <a:rPr lang="en-US" smtClean="0"/>
-              <a:t>3/8/2018</a:t>
+              <a:t>3/19/2018</a:t>
             </a:fld>
             <a:endParaRPr lang="en-US" dirty="0"/>
           </a:p>
@@ -1698,7 +1698,7 @@
           <a:p>
             <a:fld id="{78C97017-6FC3-485B-9764-EAC9E56C1D49}" type="datetimeFigureOut">
               <a:rPr lang="en-US" smtClean="0"/>
-              <a:t>3/8/2018</a:t>
+              <a:t>3/19/2018</a:t>
             </a:fld>
             <a:endParaRPr lang="en-US" dirty="0"/>
           </a:p>
@@ -2117,7 +2117,7 @@
           <a:p>
             <a:fld id="{78C97017-6FC3-485B-9764-EAC9E56C1D49}" type="datetimeFigureOut">
               <a:rPr lang="en-US" smtClean="0"/>
-              <a:t>3/8/2018</a:t>
+              <a:t>3/19/2018</a:t>
             </a:fld>
             <a:endParaRPr lang="en-US" dirty="0"/>
           </a:p>
@@ -2234,7 +2234,7 @@
           <a:p>
             <a:fld id="{78C97017-6FC3-485B-9764-EAC9E56C1D49}" type="datetimeFigureOut">
               <a:rPr lang="en-US" smtClean="0"/>
-              <a:t>3/8/2018</a:t>
+              <a:t>3/19/2018</a:t>
             </a:fld>
             <a:endParaRPr lang="en-US" dirty="0"/>
           </a:p>
@@ -2329,7 +2329,7 @@
           <a:p>
             <a:fld id="{78C97017-6FC3-485B-9764-EAC9E56C1D49}" type="datetimeFigureOut">
               <a:rPr lang="en-US" smtClean="0"/>
-              <a:t>3/8/2018</a:t>
+              <a:t>3/19/2018</a:t>
             </a:fld>
             <a:endParaRPr lang="en-US" dirty="0"/>
           </a:p>
@@ -2604,7 +2604,7 @@
           <a:p>
             <a:fld id="{78C97017-6FC3-485B-9764-EAC9E56C1D49}" type="datetimeFigureOut">
               <a:rPr lang="en-US" smtClean="0"/>
-              <a:t>3/8/2018</a:t>
+              <a:t>3/19/2018</a:t>
             </a:fld>
             <a:endParaRPr lang="en-US" dirty="0"/>
           </a:p>
@@ -2856,7 +2856,7 @@
           <a:p>
             <a:fld id="{78C97017-6FC3-485B-9764-EAC9E56C1D49}" type="datetimeFigureOut">
               <a:rPr lang="en-US" smtClean="0"/>
-              <a:t>3/8/2018</a:t>
+              <a:t>3/19/2018</a:t>
             </a:fld>
             <a:endParaRPr lang="en-US" dirty="0"/>
           </a:p>
@@ -3067,7 +3067,7 @@
           <a:p>
             <a:fld id="{78C97017-6FC3-485B-9764-EAC9E56C1D49}" type="datetimeFigureOut">
               <a:rPr lang="en-US" smtClean="0"/>
-              <a:t>3/8/2018</a:t>
+              <a:t>3/19/2018</a:t>
             </a:fld>
             <a:endParaRPr lang="en-US" dirty="0"/>
           </a:p>
@@ -3450,8 +3450,8 @@
         </p:nvSpPr>
         <p:spPr>
           <a:xfrm>
-            <a:off x="1217465" y="1447800"/>
-            <a:ext cx="4917083" cy="3962400"/>
+            <a:off x="1217465" y="1447799"/>
+            <a:ext cx="4917083" cy="5105395"/>
           </a:xfrm>
           <a:prstGeom prst="roundRect">
             <a:avLst>
@@ -3485,7 +3485,7 @@
           <a:lstStyle/>
           <a:p>
             <a:r>
-              <a:rPr lang="en-US" sz="1200" b="1" dirty="0">
+              <a:rPr lang="en-US" sz="1200" b="1">
                 <a:solidFill>
                   <a:schemeClr val="accent3">
                     <a:lumMod val="75000"/>
@@ -3885,7 +3885,7 @@
         </p:nvSpPr>
         <p:spPr>
           <a:xfrm>
-            <a:off x="2592528" y="3649359"/>
+            <a:off x="2592528" y="3801759"/>
             <a:ext cx="1093635" cy="236841"/>
           </a:xfrm>
           <a:prstGeom prst="rect">
@@ -3925,7 +3925,7 @@
                   </a:schemeClr>
                 </a:solidFill>
               </a:rPr>
-              <a:t>BrowserPanel</a:t>
+              <a:t>SchedulePanel</a:t>
             </a:r>
             <a:endParaRPr lang="en-SG" sz="1050" b="1" dirty="0">
               <a:solidFill>
@@ -3945,7 +3945,7 @@
         </p:nvSpPr>
         <p:spPr>
           <a:xfrm>
-            <a:off x="2592527" y="4563759"/>
+            <a:off x="2584573" y="5740261"/>
             <a:ext cx="1093635" cy="236841"/>
           </a:xfrm>
           <a:prstGeom prst="rect">
@@ -4005,7 +4005,7 @@
         </p:nvSpPr>
         <p:spPr>
           <a:xfrm>
-            <a:off x="2592526" y="3991960"/>
+            <a:off x="2592526" y="4447101"/>
             <a:ext cx="1093635" cy="236841"/>
           </a:xfrm>
           <a:prstGeom prst="rect">
@@ -4065,7 +4065,7 @@
         </p:nvSpPr>
         <p:spPr>
           <a:xfrm>
-            <a:off x="3839323" y="4228801"/>
+            <a:off x="3839323" y="4683942"/>
             <a:ext cx="1040906" cy="236841"/>
           </a:xfrm>
           <a:prstGeom prst="rect">
@@ -4125,7 +4125,7 @@
         </p:nvSpPr>
         <p:spPr>
           <a:xfrm>
-            <a:off x="2592528" y="4966000"/>
+            <a:off x="2580251" y="6152822"/>
             <a:ext cx="1093635" cy="236841"/>
           </a:xfrm>
           <a:prstGeom prst="rect">
@@ -4330,14 +4330,14 @@
         <p:nvCxnSpPr>
           <p:cNvPr id="44" name="Elbow Connector 63"/>
           <p:cNvCxnSpPr>
-            <a:stCxn id="39" idx="2"/>
+            <a:cxnSpLocks/>
             <a:endCxn id="34" idx="1"/>
           </p:cNvCxnSpPr>
           <p:nvPr/>
         </p:nvCxnSpPr>
         <p:spPr>
           <a:xfrm rot="16200000" flipH="1">
-            <a:off x="2054450" y="3229701"/>
+            <a:off x="2054450" y="3382101"/>
             <a:ext cx="899755" cy="176402"/>
           </a:xfrm>
           <a:prstGeom prst="bentConnector2">
@@ -4371,14 +4371,14 @@
         <p:nvCxnSpPr>
           <p:cNvPr id="47" name="Elbow Connector 63"/>
           <p:cNvCxnSpPr>
-            <a:stCxn id="39" idx="2"/>
+            <a:cxnSpLocks/>
             <a:endCxn id="36" idx="1"/>
           </p:cNvCxnSpPr>
           <p:nvPr/>
         </p:nvCxnSpPr>
         <p:spPr>
           <a:xfrm rot="16200000" flipH="1">
-            <a:off x="1883148" y="3401003"/>
+            <a:off x="1883148" y="3856144"/>
             <a:ext cx="1242356" cy="176400"/>
           </a:xfrm>
           <a:prstGeom prst="bentConnector2">
@@ -4419,8 +4419,8 @@
         </p:nvCxnSpPr>
         <p:spPr>
           <a:xfrm rot="16200000" flipH="1">
-            <a:off x="1597249" y="3686901"/>
-            <a:ext cx="1814155" cy="176401"/>
+            <a:off x="1005021" y="4279129"/>
+            <a:ext cx="2990657" cy="168447"/>
           </a:xfrm>
           <a:prstGeom prst="bentConnector2">
             <a:avLst/>
@@ -4453,14 +4453,15 @@
         <p:nvCxnSpPr>
           <p:cNvPr id="53" name="Elbow Connector 63"/>
           <p:cNvCxnSpPr>
+            <a:cxnSpLocks/>
             <a:endCxn id="38" idx="1"/>
           </p:cNvCxnSpPr>
           <p:nvPr/>
         </p:nvCxnSpPr>
         <p:spPr>
           <a:xfrm rot="16200000" flipH="1">
-            <a:off x="1184119" y="3676012"/>
-            <a:ext cx="2396440" cy="420377"/>
+            <a:off x="581893" y="4272884"/>
+            <a:ext cx="3583261" cy="413455"/>
           </a:xfrm>
           <a:prstGeom prst="bentConnector2">
             <a:avLst/>
@@ -4613,14 +4614,14 @@
         <p:nvCxnSpPr>
           <p:cNvPr id="77" name="Elbow Connector 63"/>
           <p:cNvCxnSpPr>
-            <a:stCxn id="16" idx="3"/>
+            <a:cxnSpLocks/>
             <a:endCxn id="37" idx="3"/>
           </p:cNvCxnSpPr>
           <p:nvPr/>
         </p:nvCxnSpPr>
         <p:spPr>
           <a:xfrm rot="5400000">
-            <a:off x="4174488" y="2991741"/>
+            <a:off x="4174488" y="3446882"/>
             <a:ext cx="2061222" cy="649740"/>
           </a:xfrm>
           <a:prstGeom prst="bentConnector2">
@@ -4654,14 +4655,14 @@
         <p:nvCxnSpPr>
           <p:cNvPr id="82" name="Elbow Connector 63"/>
           <p:cNvCxnSpPr>
-            <a:stCxn id="16" idx="3"/>
+            <a:cxnSpLocks/>
             <a:endCxn id="34" idx="3"/>
           </p:cNvCxnSpPr>
           <p:nvPr/>
         </p:nvCxnSpPr>
         <p:spPr>
           <a:xfrm rot="5400000">
-            <a:off x="3867176" y="2104987"/>
+            <a:off x="3867176" y="2257387"/>
             <a:ext cx="1481780" cy="1843806"/>
           </a:xfrm>
           <a:prstGeom prst="bentConnector2">
@@ -4743,8 +4744,8 @@
         </p:nvCxnSpPr>
         <p:spPr>
           <a:xfrm rot="5400000">
-            <a:off x="3409976" y="2562187"/>
-            <a:ext cx="2396180" cy="1843807"/>
+            <a:off x="2817748" y="3146461"/>
+            <a:ext cx="3572682" cy="1851761"/>
           </a:xfrm>
           <a:prstGeom prst="bentConnector2">
             <a:avLst/>
@@ -4777,15 +4778,14 @@
         <p:nvCxnSpPr>
           <p:cNvPr id="94" name="Elbow Connector 63"/>
           <p:cNvCxnSpPr>
-            <a:stCxn id="16" idx="3"/>
-            <a:endCxn id="38" idx="3"/>
+            <a:cxnSpLocks/>
           </p:cNvCxnSpPr>
           <p:nvPr/>
         </p:nvCxnSpPr>
         <p:spPr>
           <a:xfrm rot="5400000">
-            <a:off x="3208856" y="2763307"/>
-            <a:ext cx="2798421" cy="1843806"/>
+            <a:off x="2890047" y="3641661"/>
+            <a:ext cx="3407325" cy="1856083"/>
           </a:xfrm>
           <a:prstGeom prst="bentConnector2">
             <a:avLst/>
@@ -4863,8 +4863,8 @@
         </p:nvSpPr>
         <p:spPr>
           <a:xfrm rot="16200000">
-            <a:off x="6213739" y="4560376"/>
-            <a:ext cx="1371599" cy="328045"/>
+            <a:off x="5842427" y="4931687"/>
+            <a:ext cx="2114223" cy="328045"/>
           </a:xfrm>
           <a:prstGeom prst="roundRect">
             <a:avLst/>
@@ -5168,7 +5168,7 @@
         </p:nvCxnSpPr>
         <p:spPr>
           <a:xfrm rot="16200000" flipH="1">
-            <a:off x="3430123" y="3938021"/>
+            <a:off x="3430123" y="4393162"/>
             <a:ext cx="118421" cy="699979"/>
           </a:xfrm>
           <a:prstGeom prst="bentConnector2">
@@ -5202,14 +5202,14 @@
         <p:nvCxnSpPr>
           <p:cNvPr id="140" name="Elbow Connector 63"/>
           <p:cNvCxnSpPr>
-            <a:stCxn id="16" idx="3"/>
+            <a:cxnSpLocks/>
             <a:endCxn id="36" idx="3"/>
           </p:cNvCxnSpPr>
           <p:nvPr/>
         </p:nvCxnSpPr>
         <p:spPr>
           <a:xfrm rot="5400000">
-            <a:off x="3695875" y="2276286"/>
+            <a:off x="3695875" y="2731427"/>
             <a:ext cx="1824381" cy="1843808"/>
           </a:xfrm>
           <a:prstGeom prst="bentConnector2">
@@ -5435,7 +5435,559 @@
         </p:nvSpPr>
         <p:spPr>
           <a:xfrm flipV="1">
-            <a:off x="4114799" y="4472708"/>
+            <a:off x="4073619" y="4927600"/>
+            <a:ext cx="2642195" cy="101600"/>
+          </a:xfrm>
+          <a:custGeom>
+            <a:avLst/>
+            <a:gdLst>
+              <a:gd name="connsiteX0" fmla="*/ 0 w 3048000"/>
+              <a:gd name="connsiteY0" fmla="*/ 203200 h 203200"/>
+              <a:gd name="connsiteX1" fmla="*/ 221673 w 3048000"/>
+              <a:gd name="connsiteY1" fmla="*/ 0 h 203200"/>
+              <a:gd name="connsiteX2" fmla="*/ 3048000 w 3048000"/>
+              <a:gd name="connsiteY2" fmla="*/ 0 h 203200"/>
+            </a:gdLst>
+            <a:ahLst/>
+            <a:cxnLst>
+              <a:cxn ang="0">
+                <a:pos x="connsiteX0" y="connsiteY0"/>
+              </a:cxn>
+              <a:cxn ang="0">
+                <a:pos x="connsiteX1" y="connsiteY1"/>
+              </a:cxn>
+              <a:cxn ang="0">
+                <a:pos x="connsiteX2" y="connsiteY2"/>
+              </a:cxn>
+            </a:cxnLst>
+            <a:rect l="l" t="t" r="r" b="b"/>
+            <a:pathLst>
+              <a:path w="3048000" h="203200">
+                <a:moveTo>
+                  <a:pt x="0" y="203200"/>
+                </a:moveTo>
+                <a:lnTo>
+                  <a:pt x="221673" y="0"/>
+                </a:lnTo>
+                <a:lnTo>
+                  <a:pt x="3048000" y="0"/>
+                </a:lnTo>
+              </a:path>
+            </a:pathLst>
+          </a:custGeom>
+          <a:noFill/>
+          <a:ln w="19050">
+            <a:solidFill>
+              <a:schemeClr val="accent3"/>
+            </a:solidFill>
+            <a:prstDash val="sysDot"/>
+            <a:headEnd type="none" w="med" len="med"/>
+            <a:tailEnd type="arrow" w="med" len="med"/>
+          </a:ln>
+          <a:effectLst/>
+        </p:spPr>
+        <p:style>
+          <a:lnRef idx="1">
+            <a:schemeClr val="accent2"/>
+          </a:lnRef>
+          <a:fillRef idx="2">
+            <a:schemeClr val="accent2"/>
+          </a:fillRef>
+          <a:effectRef idx="1">
+            <a:schemeClr val="accent2"/>
+          </a:effectRef>
+          <a:fontRef idx="minor">
+            <a:schemeClr val="dk1"/>
+          </a:fontRef>
+        </p:style>
+        <p:txBody>
+          <a:bodyPr rtlCol="0" anchor="ctr"/>
+          <a:lstStyle/>
+          <a:p>
+            <a:pPr algn="ctr"/>
+            <a:endParaRPr lang="en-SG" dirty="0"/>
+          </a:p>
+        </p:txBody>
+      </p:sp>
+      <p:sp>
+        <p:nvSpPr>
+          <p:cNvPr id="42" name="Rectangle 11">
+            <a:extLst>
+              <a:ext uri="{FF2B5EF4-FFF2-40B4-BE49-F238E27FC236}">
+                <a16:creationId xmlns:a16="http://schemas.microsoft.com/office/drawing/2014/main" id="{9CAC633A-39BB-4CA9-9E6C-2C7808B74348}"/>
+              </a:ext>
+            </a:extLst>
+          </p:cNvPr>
+          <p:cNvSpPr/>
+          <p:nvPr/>
+        </p:nvSpPr>
+        <p:spPr>
+          <a:xfrm>
+            <a:off x="2590799" y="5132543"/>
+            <a:ext cx="1093635" cy="236841"/>
+          </a:xfrm>
+          <a:prstGeom prst="rect">
+            <a:avLst/>
+          </a:prstGeom>
+          <a:ln w="19050">
+            <a:solidFill>
+              <a:schemeClr val="accent3"/>
+            </a:solidFill>
+          </a:ln>
+          <a:effectLst/>
+        </p:spPr>
+        <p:style>
+          <a:lnRef idx="1">
+            <a:schemeClr val="accent3"/>
+          </a:lnRef>
+          <a:fillRef idx="2">
+            <a:schemeClr val="accent3"/>
+          </a:fillRef>
+          <a:effectRef idx="1">
+            <a:schemeClr val="accent3"/>
+          </a:effectRef>
+          <a:fontRef idx="minor">
+            <a:schemeClr val="dk1"/>
+          </a:fontRef>
+        </p:style>
+        <p:txBody>
+          <a:bodyPr rtlCol="0" anchor="ctr"/>
+          <a:lstStyle/>
+          <a:p>
+            <a:pPr algn="ctr"/>
+            <a:r>
+              <a:rPr lang="en-US" sz="1000" b="1" dirty="0">
+                <a:solidFill>
+                  <a:schemeClr val="accent3">
+                    <a:lumMod val="75000"/>
+                  </a:schemeClr>
+                </a:solidFill>
+              </a:rPr>
+              <a:t>MovieListPanel</a:t>
+            </a:r>
+            <a:endParaRPr lang="en-SG" sz="1000" b="1" dirty="0">
+              <a:solidFill>
+                <a:schemeClr val="accent3">
+                  <a:lumMod val="75000"/>
+                </a:schemeClr>
+              </a:solidFill>
+            </a:endParaRPr>
+          </a:p>
+        </p:txBody>
+      </p:sp>
+      <p:sp>
+        <p:nvSpPr>
+          <p:cNvPr id="48" name="Rectangle 11">
+            <a:extLst>
+              <a:ext uri="{FF2B5EF4-FFF2-40B4-BE49-F238E27FC236}">
+                <a16:creationId xmlns:a16="http://schemas.microsoft.com/office/drawing/2014/main" id="{BF3F191D-93D6-472C-8C62-9DFBA3EEE37D}"/>
+              </a:ext>
+            </a:extLst>
+          </p:cNvPr>
+          <p:cNvSpPr/>
+          <p:nvPr/>
+        </p:nvSpPr>
+        <p:spPr>
+          <a:xfrm>
+            <a:off x="3833009" y="5371713"/>
+            <a:ext cx="1040906" cy="236841"/>
+          </a:xfrm>
+          <a:prstGeom prst="rect">
+            <a:avLst/>
+          </a:prstGeom>
+          <a:ln w="19050">
+            <a:solidFill>
+              <a:schemeClr val="accent3"/>
+            </a:solidFill>
+          </a:ln>
+          <a:effectLst/>
+        </p:spPr>
+        <p:style>
+          <a:lnRef idx="1">
+            <a:schemeClr val="accent3"/>
+          </a:lnRef>
+          <a:fillRef idx="2">
+            <a:schemeClr val="accent3"/>
+          </a:fillRef>
+          <a:effectRef idx="1">
+            <a:schemeClr val="accent3"/>
+          </a:effectRef>
+          <a:fontRef idx="minor">
+            <a:schemeClr val="dk1"/>
+          </a:fontRef>
+        </p:style>
+        <p:txBody>
+          <a:bodyPr rtlCol="0" anchor="ctr"/>
+          <a:lstStyle/>
+          <a:p>
+            <a:pPr algn="ctr"/>
+            <a:r>
+              <a:rPr lang="en-US" sz="1050" b="1" dirty="0">
+                <a:solidFill>
+                  <a:schemeClr val="accent3">
+                    <a:lumMod val="75000"/>
+                  </a:schemeClr>
+                </a:solidFill>
+              </a:rPr>
+              <a:t>MovieCard</a:t>
+            </a:r>
+            <a:endParaRPr lang="en-SG" sz="1050" b="1" dirty="0">
+              <a:solidFill>
+                <a:schemeClr val="accent3">
+                  <a:lumMod val="75000"/>
+                </a:schemeClr>
+              </a:solidFill>
+            </a:endParaRPr>
+          </a:p>
+        </p:txBody>
+      </p:sp>
+      <p:sp>
+        <p:nvSpPr>
+          <p:cNvPr id="49" name="Freeform 117">
+            <a:extLst>
+              <a:ext uri="{FF2B5EF4-FFF2-40B4-BE49-F238E27FC236}">
+                <a16:creationId xmlns:a16="http://schemas.microsoft.com/office/drawing/2014/main" id="{C4AAD58C-B22C-4F28-94A2-1D1C5CC07D16}"/>
+              </a:ext>
+            </a:extLst>
+          </p:cNvPr>
+          <p:cNvSpPr/>
+          <p:nvPr/>
+        </p:nvSpPr>
+        <p:spPr>
+          <a:xfrm flipV="1">
+            <a:off x="4100131" y="5611769"/>
+            <a:ext cx="2642195" cy="101600"/>
+          </a:xfrm>
+          <a:custGeom>
+            <a:avLst/>
+            <a:gdLst>
+              <a:gd name="connsiteX0" fmla="*/ 0 w 3048000"/>
+              <a:gd name="connsiteY0" fmla="*/ 203200 h 203200"/>
+              <a:gd name="connsiteX1" fmla="*/ 221673 w 3048000"/>
+              <a:gd name="connsiteY1" fmla="*/ 0 h 203200"/>
+              <a:gd name="connsiteX2" fmla="*/ 3048000 w 3048000"/>
+              <a:gd name="connsiteY2" fmla="*/ 0 h 203200"/>
+            </a:gdLst>
+            <a:ahLst/>
+            <a:cxnLst>
+              <a:cxn ang="0">
+                <a:pos x="connsiteX0" y="connsiteY0"/>
+              </a:cxn>
+              <a:cxn ang="0">
+                <a:pos x="connsiteX1" y="connsiteY1"/>
+              </a:cxn>
+              <a:cxn ang="0">
+                <a:pos x="connsiteX2" y="connsiteY2"/>
+              </a:cxn>
+            </a:cxnLst>
+            <a:rect l="l" t="t" r="r" b="b"/>
+            <a:pathLst>
+              <a:path w="3048000" h="203200">
+                <a:moveTo>
+                  <a:pt x="0" y="203200"/>
+                </a:moveTo>
+                <a:lnTo>
+                  <a:pt x="221673" y="0"/>
+                </a:lnTo>
+                <a:lnTo>
+                  <a:pt x="3048000" y="0"/>
+                </a:lnTo>
+              </a:path>
+            </a:pathLst>
+          </a:custGeom>
+          <a:noFill/>
+          <a:ln w="19050">
+            <a:solidFill>
+              <a:schemeClr val="accent3"/>
+            </a:solidFill>
+            <a:prstDash val="sysDot"/>
+            <a:headEnd type="none" w="med" len="med"/>
+            <a:tailEnd type="arrow" w="med" len="med"/>
+          </a:ln>
+          <a:effectLst/>
+        </p:spPr>
+        <p:style>
+          <a:lnRef idx="1">
+            <a:schemeClr val="accent2"/>
+          </a:lnRef>
+          <a:fillRef idx="2">
+            <a:schemeClr val="accent2"/>
+          </a:fillRef>
+          <a:effectRef idx="1">
+            <a:schemeClr val="accent2"/>
+          </a:effectRef>
+          <a:fontRef idx="minor">
+            <a:schemeClr val="dk1"/>
+          </a:fontRef>
+        </p:style>
+        <p:txBody>
+          <a:bodyPr rtlCol="0" anchor="ctr"/>
+          <a:lstStyle/>
+          <a:p>
+            <a:pPr algn="ctr"/>
+            <a:endParaRPr lang="en-SG" dirty="0"/>
+          </a:p>
+        </p:txBody>
+      </p:sp>
+      <p:cxnSp>
+        <p:nvCxnSpPr>
+          <p:cNvPr id="51" name="Elbow Connector 136">
+            <a:extLst>
+              <a:ext uri="{FF2B5EF4-FFF2-40B4-BE49-F238E27FC236}">
+                <a16:creationId xmlns:a16="http://schemas.microsoft.com/office/drawing/2014/main" id="{5EF79F05-97C4-4909-8DEE-C15DFBA246F5}"/>
+              </a:ext>
+            </a:extLst>
+          </p:cNvPr>
+          <p:cNvCxnSpPr/>
+          <p:nvPr/>
+        </p:nvCxnSpPr>
+        <p:spPr>
+          <a:xfrm rot="16200000" flipH="1">
+            <a:off x="3417672" y="5089791"/>
+            <a:ext cx="118421" cy="699979"/>
+          </a:xfrm>
+          <a:prstGeom prst="bentConnector2">
+            <a:avLst/>
+          </a:prstGeom>
+          <a:ln w="19050">
+            <a:solidFill>
+              <a:schemeClr val="accent3"/>
+            </a:solidFill>
+            <a:headEnd type="none" w="med" len="med"/>
+            <a:tailEnd type="arrow" w="med" len="med"/>
+          </a:ln>
+          <a:effectLst/>
+        </p:spPr>
+        <p:style>
+          <a:lnRef idx="1">
+            <a:schemeClr val="accent2"/>
+          </a:lnRef>
+          <a:fillRef idx="2">
+            <a:schemeClr val="accent2"/>
+          </a:fillRef>
+          <a:effectRef idx="1">
+            <a:schemeClr val="accent2"/>
+          </a:effectRef>
+          <a:fontRef idx="minor">
+            <a:schemeClr val="dk1"/>
+          </a:fontRef>
+        </p:style>
+      </p:cxnSp>
+      <p:cxnSp>
+        <p:nvCxnSpPr>
+          <p:cNvPr id="54" name="Elbow Connector 63">
+            <a:extLst>
+              <a:ext uri="{FF2B5EF4-FFF2-40B4-BE49-F238E27FC236}">
+                <a16:creationId xmlns:a16="http://schemas.microsoft.com/office/drawing/2014/main" id="{BCEEB6CB-68D5-4A5D-B218-19E0D667D13A}"/>
+              </a:ext>
+            </a:extLst>
+          </p:cNvPr>
+          <p:cNvCxnSpPr/>
+          <p:nvPr/>
+        </p:nvCxnSpPr>
+        <p:spPr>
+          <a:xfrm rot="16200000" flipH="1">
+            <a:off x="1892532" y="4560000"/>
+            <a:ext cx="1242356" cy="176400"/>
+          </a:xfrm>
+          <a:prstGeom prst="bentConnector2">
+            <a:avLst/>
+          </a:prstGeom>
+          <a:ln w="19050">
+            <a:solidFill>
+              <a:schemeClr val="accent3"/>
+            </a:solidFill>
+            <a:headEnd type="none" w="med" len="med"/>
+            <a:tailEnd type="arrow" w="med" len="med"/>
+          </a:ln>
+          <a:effectLst/>
+        </p:spPr>
+        <p:style>
+          <a:lnRef idx="1">
+            <a:schemeClr val="accent2"/>
+          </a:lnRef>
+          <a:fillRef idx="2">
+            <a:schemeClr val="accent2"/>
+          </a:fillRef>
+          <a:effectRef idx="1">
+            <a:schemeClr val="accent2"/>
+          </a:effectRef>
+          <a:fontRef idx="minor">
+            <a:schemeClr val="dk1"/>
+          </a:fontRef>
+        </p:style>
+      </p:cxnSp>
+      <p:cxnSp>
+        <p:nvCxnSpPr>
+          <p:cNvPr id="56" name="Elbow Connector 63">
+            <a:extLst>
+              <a:ext uri="{FF2B5EF4-FFF2-40B4-BE49-F238E27FC236}">
+                <a16:creationId xmlns:a16="http://schemas.microsoft.com/office/drawing/2014/main" id="{19C3D26D-DC96-4DE7-B89F-A110635A9848}"/>
+              </a:ext>
+            </a:extLst>
+          </p:cNvPr>
+          <p:cNvCxnSpPr/>
+          <p:nvPr/>
+        </p:nvCxnSpPr>
+        <p:spPr>
+          <a:xfrm rot="5400000">
+            <a:off x="4160102" y="4158302"/>
+            <a:ext cx="2061222" cy="649740"/>
+          </a:xfrm>
+          <a:prstGeom prst="bentConnector2">
+            <a:avLst/>
+          </a:prstGeom>
+          <a:ln w="6350">
+            <a:solidFill>
+              <a:schemeClr val="accent3"/>
+            </a:solidFill>
+            <a:headEnd type="none" w="med" len="med"/>
+            <a:tailEnd type="none" w="med" len="med"/>
+          </a:ln>
+          <a:effectLst/>
+        </p:spPr>
+        <p:style>
+          <a:lnRef idx="1">
+            <a:schemeClr val="accent2"/>
+          </a:lnRef>
+          <a:fillRef idx="2">
+            <a:schemeClr val="accent2"/>
+          </a:fillRef>
+          <a:effectRef idx="1">
+            <a:schemeClr val="accent2"/>
+          </a:effectRef>
+          <a:fontRef idx="minor">
+            <a:schemeClr val="dk1"/>
+          </a:fontRef>
+        </p:style>
+      </p:cxnSp>
+      <p:sp>
+        <p:nvSpPr>
+          <p:cNvPr id="62" name="Rectangle 11">
+            <a:extLst>
+              <a:ext uri="{FF2B5EF4-FFF2-40B4-BE49-F238E27FC236}">
+                <a16:creationId xmlns:a16="http://schemas.microsoft.com/office/drawing/2014/main" id="{CD8DCA9E-98F3-4C0A-98C8-1F9542EC4250}"/>
+              </a:ext>
+            </a:extLst>
+          </p:cNvPr>
+          <p:cNvSpPr/>
+          <p:nvPr/>
+        </p:nvSpPr>
+        <p:spPr>
+          <a:xfrm>
+            <a:off x="3841542" y="4063891"/>
+            <a:ext cx="1040906" cy="236841"/>
+          </a:xfrm>
+          <a:prstGeom prst="rect">
+            <a:avLst/>
+          </a:prstGeom>
+          <a:ln w="19050">
+            <a:solidFill>
+              <a:schemeClr val="accent3"/>
+            </a:solidFill>
+          </a:ln>
+          <a:effectLst/>
+        </p:spPr>
+        <p:style>
+          <a:lnRef idx="1">
+            <a:schemeClr val="accent3"/>
+          </a:lnRef>
+          <a:fillRef idx="2">
+            <a:schemeClr val="accent3"/>
+          </a:fillRef>
+          <a:effectRef idx="1">
+            <a:schemeClr val="accent3"/>
+          </a:effectRef>
+          <a:fontRef idx="minor">
+            <a:schemeClr val="dk1"/>
+          </a:fontRef>
+        </p:style>
+        <p:txBody>
+          <a:bodyPr rtlCol="0" anchor="ctr"/>
+          <a:lstStyle/>
+          <a:p>
+            <a:pPr algn="ctr"/>
+            <a:r>
+              <a:rPr lang="en-US" sz="1050" b="1" dirty="0">
+                <a:solidFill>
+                  <a:schemeClr val="accent3">
+                    <a:lumMod val="75000"/>
+                  </a:schemeClr>
+                </a:solidFill>
+              </a:rPr>
+              <a:t>TheaterCard</a:t>
+            </a:r>
+            <a:endParaRPr lang="en-SG" sz="1050" b="1" dirty="0">
+              <a:solidFill>
+                <a:schemeClr val="accent3">
+                  <a:lumMod val="75000"/>
+                </a:schemeClr>
+              </a:solidFill>
+            </a:endParaRPr>
+          </a:p>
+        </p:txBody>
+      </p:sp>
+      <p:cxnSp>
+        <p:nvCxnSpPr>
+          <p:cNvPr id="63" name="Elbow Connector 136">
+            <a:extLst>
+              <a:ext uri="{FF2B5EF4-FFF2-40B4-BE49-F238E27FC236}">
+                <a16:creationId xmlns:a16="http://schemas.microsoft.com/office/drawing/2014/main" id="{16245CFD-387B-4B8C-AACE-FEFF4CF1CE16}"/>
+              </a:ext>
+            </a:extLst>
+          </p:cNvPr>
+          <p:cNvCxnSpPr>
+            <a:endCxn id="62" idx="1"/>
+          </p:cNvCxnSpPr>
+          <p:nvPr/>
+        </p:nvCxnSpPr>
+        <p:spPr>
+          <a:xfrm rot="16200000" flipH="1">
+            <a:off x="3432342" y="3773111"/>
+            <a:ext cx="118421" cy="699979"/>
+          </a:xfrm>
+          <a:prstGeom prst="bentConnector2">
+            <a:avLst/>
+          </a:prstGeom>
+          <a:ln w="19050">
+            <a:solidFill>
+              <a:schemeClr val="accent3"/>
+            </a:solidFill>
+            <a:headEnd type="none" w="med" len="med"/>
+            <a:tailEnd type="arrow" w="med" len="med"/>
+          </a:ln>
+          <a:effectLst/>
+        </p:spPr>
+        <p:style>
+          <a:lnRef idx="1">
+            <a:schemeClr val="accent2"/>
+          </a:lnRef>
+          <a:fillRef idx="2">
+            <a:schemeClr val="accent2"/>
+          </a:fillRef>
+          <a:effectRef idx="1">
+            <a:schemeClr val="accent2"/>
+          </a:effectRef>
+          <a:fontRef idx="minor">
+            <a:schemeClr val="dk1"/>
+          </a:fontRef>
+        </p:style>
+      </p:cxnSp>
+      <p:sp>
+        <p:nvSpPr>
+          <p:cNvPr id="64" name="Freeform 117">
+            <a:extLst>
+              <a:ext uri="{FF2B5EF4-FFF2-40B4-BE49-F238E27FC236}">
+                <a16:creationId xmlns:a16="http://schemas.microsoft.com/office/drawing/2014/main" id="{CF7C268B-A39B-42F2-928D-3A884CE46022}"/>
+              </a:ext>
+            </a:extLst>
+          </p:cNvPr>
+          <p:cNvSpPr/>
+          <p:nvPr/>
+        </p:nvSpPr>
+        <p:spPr>
+          <a:xfrm flipV="1">
+            <a:off x="4075838" y="4307549"/>
             <a:ext cx="2642195" cy="101600"/>
           </a:xfrm>
           <a:custGeom>
